--- a/Otros docs/Diagrama en bloques.pptx
+++ b/Otros docs/Diagrama en bloques.pptx
@@ -108,6 +108,11 @@
       </a:defRPr>
     </a:lvl9pPr>
   </p:defaultTextStyle>
+  <p:extLst>
+    <p:ext uri="{EFAFB233-063F-42B5-8137-9DF3F51BA10A}">
+      <p15:sldGuideLst xmlns:p15="http://schemas.microsoft.com/office/powerpoint/2012/main"/>
+    </p:ext>
+  </p:extLst>
 </p:presentation>
 </file>
 
@@ -258,7 +263,7 @@
           <a:p>
             <a:fld id="{27DDF7D6-43EF-4CD7-AB27-C0C40C6A6332}" type="datetimeFigureOut">
               <a:rPr lang="en-US" smtClean="0"/>
-              <a:t>7/5/2025</a:t>
+              <a:t>7/14/2025</a:t>
             </a:fld>
             <a:endParaRPr lang="en-US"/>
           </a:p>
@@ -456,7 +461,7 @@
           <a:p>
             <a:fld id="{27DDF7D6-43EF-4CD7-AB27-C0C40C6A6332}" type="datetimeFigureOut">
               <a:rPr lang="en-US" smtClean="0"/>
-              <a:t>7/5/2025</a:t>
+              <a:t>7/14/2025</a:t>
             </a:fld>
             <a:endParaRPr lang="en-US"/>
           </a:p>
@@ -664,7 +669,7 @@
           <a:p>
             <a:fld id="{27DDF7D6-43EF-4CD7-AB27-C0C40C6A6332}" type="datetimeFigureOut">
               <a:rPr lang="en-US" smtClean="0"/>
-              <a:t>7/5/2025</a:t>
+              <a:t>7/14/2025</a:t>
             </a:fld>
             <a:endParaRPr lang="en-US"/>
           </a:p>
@@ -862,7 +867,7 @@
           <a:p>
             <a:fld id="{27DDF7D6-43EF-4CD7-AB27-C0C40C6A6332}" type="datetimeFigureOut">
               <a:rPr lang="en-US" smtClean="0"/>
-              <a:t>7/5/2025</a:t>
+              <a:t>7/14/2025</a:t>
             </a:fld>
             <a:endParaRPr lang="en-US"/>
           </a:p>
@@ -1137,7 +1142,7 @@
           <a:p>
             <a:fld id="{27DDF7D6-43EF-4CD7-AB27-C0C40C6A6332}" type="datetimeFigureOut">
               <a:rPr lang="en-US" smtClean="0"/>
-              <a:t>7/5/2025</a:t>
+              <a:t>7/14/2025</a:t>
             </a:fld>
             <a:endParaRPr lang="en-US"/>
           </a:p>
@@ -1402,7 +1407,7 @@
           <a:p>
             <a:fld id="{27DDF7D6-43EF-4CD7-AB27-C0C40C6A6332}" type="datetimeFigureOut">
               <a:rPr lang="en-US" smtClean="0"/>
-              <a:t>7/5/2025</a:t>
+              <a:t>7/14/2025</a:t>
             </a:fld>
             <a:endParaRPr lang="en-US"/>
           </a:p>
@@ -1814,7 +1819,7 @@
           <a:p>
             <a:fld id="{27DDF7D6-43EF-4CD7-AB27-C0C40C6A6332}" type="datetimeFigureOut">
               <a:rPr lang="en-US" smtClean="0"/>
-              <a:t>7/5/2025</a:t>
+              <a:t>7/14/2025</a:t>
             </a:fld>
             <a:endParaRPr lang="en-US"/>
           </a:p>
@@ -1955,7 +1960,7 @@
           <a:p>
             <a:fld id="{27DDF7D6-43EF-4CD7-AB27-C0C40C6A6332}" type="datetimeFigureOut">
               <a:rPr lang="en-US" smtClean="0"/>
-              <a:t>7/5/2025</a:t>
+              <a:t>7/14/2025</a:t>
             </a:fld>
             <a:endParaRPr lang="en-US"/>
           </a:p>
@@ -2068,7 +2073,7 @@
           <a:p>
             <a:fld id="{27DDF7D6-43EF-4CD7-AB27-C0C40C6A6332}" type="datetimeFigureOut">
               <a:rPr lang="en-US" smtClean="0"/>
-              <a:t>7/5/2025</a:t>
+              <a:t>7/14/2025</a:t>
             </a:fld>
             <a:endParaRPr lang="en-US"/>
           </a:p>
@@ -2379,7 +2384,7 @@
           <a:p>
             <a:fld id="{27DDF7D6-43EF-4CD7-AB27-C0C40C6A6332}" type="datetimeFigureOut">
               <a:rPr lang="en-US" smtClean="0"/>
-              <a:t>7/5/2025</a:t>
+              <a:t>7/14/2025</a:t>
             </a:fld>
             <a:endParaRPr lang="en-US"/>
           </a:p>
@@ -2667,7 +2672,7 @@
           <a:p>
             <a:fld id="{27DDF7D6-43EF-4CD7-AB27-C0C40C6A6332}" type="datetimeFigureOut">
               <a:rPr lang="en-US" smtClean="0"/>
-              <a:t>7/5/2025</a:t>
+              <a:t>7/14/2025</a:t>
             </a:fld>
             <a:endParaRPr lang="en-US"/>
           </a:p>
@@ -2908,7 +2913,7 @@
           <a:p>
             <a:fld id="{27DDF7D6-43EF-4CD7-AB27-C0C40C6A6332}" type="datetimeFigureOut">
               <a:rPr lang="en-US" smtClean="0"/>
-              <a:t>7/5/2025</a:t>
+              <a:t>7/14/2025</a:t>
             </a:fld>
             <a:endParaRPr lang="en-US"/>
           </a:p>
@@ -7849,8 +7854,8 @@
         </p:nvSpPr>
         <p:spPr>
           <a:xfrm>
-            <a:off x="2849217" y="503583"/>
-            <a:ext cx="9119136" cy="5241234"/>
+            <a:off x="2288658" y="503582"/>
+            <a:ext cx="9679695" cy="4977021"/>
           </a:xfrm>
           <a:prstGeom prst="rect">
             <a:avLst/>
@@ -7901,8 +7906,8 @@
         </p:nvGrpSpPr>
         <p:grpSpPr>
           <a:xfrm>
-            <a:off x="223646" y="1665629"/>
-            <a:ext cx="2485600" cy="2710901"/>
+            <a:off x="42438" y="1691326"/>
+            <a:ext cx="2638391" cy="2952577"/>
             <a:chOff x="820817" y="1377396"/>
             <a:chExt cx="2485600" cy="2710901"/>
           </a:xfrm>
@@ -8011,7 +8016,7 @@
             <a:p>
               <a:pPr algn="ctr"/>
               <a:r>
-                <a:rPr lang="en-US" dirty="0"/>
+                <a:rPr lang="en-US" sz="2000" dirty="0"/>
                 <a:t>Origen de datos</a:t>
               </a:r>
             </a:p>
@@ -8068,8 +8073,8 @@
         </p:nvGrpSpPr>
         <p:grpSpPr>
           <a:xfrm>
-            <a:off x="3093563" y="1377396"/>
-            <a:ext cx="2618122" cy="3287369"/>
+            <a:off x="2932625" y="1377396"/>
+            <a:ext cx="2779060" cy="3580437"/>
             <a:chOff x="3676661" y="1377396"/>
             <a:chExt cx="2618122" cy="3287369"/>
           </a:xfrm>
@@ -8178,7 +8183,7 @@
             <a:p>
               <a:pPr algn="ctr"/>
               <a:r>
-                <a:rPr lang="en-US" dirty="0"/>
+                <a:rPr lang="en-US" sz="2000" dirty="0"/>
                 <a:t>Preprocesamiento de datos</a:t>
               </a:r>
             </a:p>
@@ -8233,7 +8238,7 @@
             <a:p>
               <a:pPr algn="ctr"/>
               <a:r>
-                <a:rPr lang="en-US" sz="1400" dirty="0">
+                <a:rPr lang="en-US" dirty="0">
                   <a:ln w="6350">
                     <a:solidFill>
                       <a:schemeClr val="accent1">
@@ -8299,7 +8304,7 @@
             <a:p>
               <a:pPr algn="ctr"/>
               <a:r>
-                <a:rPr lang="en-US" sz="1400" dirty="0">
+                <a:rPr lang="en-US" dirty="0">
                   <a:ln w="6350">
                     <a:solidFill>
                       <a:schemeClr val="accent1">
@@ -8365,7 +8370,7 @@
             <a:p>
               <a:pPr algn="ctr"/>
               <a:r>
-                <a:rPr lang="en-US" sz="1400" dirty="0">
+                <a:rPr lang="en-US" dirty="0">
                   <a:ln w="6350">
                     <a:solidFill>
                       <a:schemeClr val="accent1">
@@ -8431,7 +8436,7 @@
             <a:p>
               <a:pPr algn="ctr"/>
               <a:r>
-                <a:rPr lang="en-US" sz="1400" dirty="0">
+                <a:rPr lang="en-US" dirty="0">
                   <a:ln w="6350">
                     <a:solidFill>
                       <a:schemeClr val="accent1">
@@ -8463,8 +8468,8 @@
         </p:nvGrpSpPr>
         <p:grpSpPr>
           <a:xfrm>
-            <a:off x="6096000" y="1377396"/>
-            <a:ext cx="2618121" cy="3287369"/>
+            <a:off x="5935062" y="1377396"/>
+            <a:ext cx="2779059" cy="3580437"/>
             <a:chOff x="6552379" y="1377396"/>
             <a:chExt cx="2618121" cy="3287369"/>
           </a:xfrm>
@@ -8573,7 +8578,7 @@
             <a:p>
               <a:pPr algn="ctr"/>
               <a:r>
-                <a:rPr lang="en-US" dirty="0"/>
+                <a:rPr lang="en-US" sz="2000" dirty="0"/>
                 <a:t>Entrenamiento de modelos</a:t>
               </a:r>
             </a:p>
@@ -8628,7 +8633,7 @@
             <a:p>
               <a:pPr algn="ctr"/>
               <a:r>
-                <a:rPr lang="en-US" sz="1400" dirty="0">
+                <a:rPr lang="en-US" dirty="0">
                   <a:ln w="6350">
                     <a:solidFill>
                       <a:schemeClr val="accent1">
@@ -8694,7 +8699,7 @@
             <a:p>
               <a:pPr algn="ctr"/>
               <a:r>
-                <a:rPr lang="en-US" sz="1400" dirty="0">
+                <a:rPr lang="en-US" dirty="0">
                   <a:ln w="6350">
                     <a:solidFill>
                       <a:schemeClr val="accent1">
@@ -8760,7 +8765,7 @@
             <a:p>
               <a:pPr algn="ctr"/>
               <a:r>
-                <a:rPr lang="en-US" sz="1400" dirty="0">
+                <a:rPr lang="en-US" dirty="0">
                   <a:ln w="6350">
                     <a:solidFill>
                       <a:schemeClr val="accent1">
@@ -8826,7 +8831,7 @@
             <a:p>
               <a:pPr algn="ctr"/>
               <a:r>
-                <a:rPr lang="en-US" sz="1400" dirty="0">
+                <a:rPr lang="en-US" dirty="0">
                   <a:ln w="6350">
                     <a:solidFill>
                       <a:schemeClr val="accent1">
@@ -8858,8 +8863,8 @@
         </p:nvGrpSpPr>
         <p:grpSpPr>
           <a:xfrm>
-            <a:off x="9098436" y="1377396"/>
-            <a:ext cx="2618121" cy="3287369"/>
+            <a:off x="8937498" y="1377396"/>
+            <a:ext cx="2779059" cy="3580437"/>
             <a:chOff x="9276521" y="1377396"/>
             <a:chExt cx="2618121" cy="3287369"/>
           </a:xfrm>
@@ -8968,7 +8973,7 @@
             <a:p>
               <a:pPr algn="ctr"/>
               <a:r>
-                <a:rPr lang="en-US" dirty="0"/>
+                <a:rPr lang="en-US" sz="2000" dirty="0"/>
                 <a:t>Evaluación y Refinamiento</a:t>
               </a:r>
             </a:p>
@@ -9023,7 +9028,7 @@
             <a:p>
               <a:pPr algn="ctr"/>
               <a:r>
-                <a:rPr lang="en-US" sz="1400" dirty="0">
+                <a:rPr lang="en-US" dirty="0">
                   <a:ln w="6350">
                     <a:solidFill>
                       <a:schemeClr val="accent1">
@@ -9089,7 +9094,7 @@
             <a:p>
               <a:pPr algn="ctr"/>
               <a:r>
-                <a:rPr lang="en-US" sz="1400" dirty="0">
+                <a:rPr lang="en-US" dirty="0">
                   <a:ln w="6350">
                     <a:solidFill>
                       <a:schemeClr val="accent1">
@@ -9155,7 +9160,7 @@
             <a:p>
               <a:pPr algn="ctr"/>
               <a:r>
-                <a:rPr lang="en-US" sz="1400" dirty="0">
+                <a:rPr lang="en-US" dirty="0">
                   <a:ln w="6350">
                     <a:solidFill>
                       <a:schemeClr val="accent1">
@@ -9221,7 +9226,7 @@
             <a:p>
               <a:pPr algn="ctr"/>
               <a:r>
-                <a:rPr lang="en-US" sz="1400" dirty="0">
+                <a:rPr lang="en-US" dirty="0">
                   <a:ln w="6350">
                     <a:solidFill>
                       <a:schemeClr val="accent1">
@@ -9257,12 +9262,12 @@
         </p:nvCxnSpPr>
         <p:spPr>
           <a:xfrm rot="5400000">
-            <a:off x="8906279" y="3163547"/>
+            <a:off x="8825810" y="3456615"/>
             <a:ext cx="12700" cy="3002436"/>
           </a:xfrm>
           <a:prstGeom prst="curvedConnector3">
             <a:avLst>
-              <a:gd name="adj1" fmla="val 3834780"/>
+              <a:gd name="adj1" fmla="val 1800000"/>
             </a:avLst>
           </a:prstGeom>
           <a:ln w="31750">
@@ -9306,12 +9311,12 @@
         </p:nvCxnSpPr>
         <p:spPr>
           <a:xfrm rot="5400000">
-            <a:off x="7405061" y="1662329"/>
+            <a:off x="7324592" y="1955397"/>
             <a:ext cx="12700" cy="6004873"/>
           </a:xfrm>
           <a:prstGeom prst="curvedConnector3">
             <a:avLst>
-              <a:gd name="adj1" fmla="val 5139126"/>
+              <a:gd name="adj1" fmla="val 3306976"/>
             </a:avLst>
           </a:prstGeom>
           <a:ln w="31750">
@@ -9355,8 +9360,8 @@
         </p:nvCxnSpPr>
         <p:spPr>
           <a:xfrm>
-            <a:off x="2709246" y="3021080"/>
-            <a:ext cx="384317" cy="1"/>
+            <a:off x="2680829" y="3167615"/>
+            <a:ext cx="251796" cy="0"/>
           </a:xfrm>
           <a:prstGeom prst="straightConnector1">
             <a:avLst/>
@@ -9401,8 +9406,8 @@
         </p:nvCxnSpPr>
         <p:spPr>
           <a:xfrm>
-            <a:off x="5711685" y="3021081"/>
-            <a:ext cx="384315" cy="0"/>
+            <a:off x="5711685" y="3167615"/>
+            <a:ext cx="223377" cy="0"/>
           </a:xfrm>
           <a:prstGeom prst="straightConnector1">
             <a:avLst/>
@@ -9447,8 +9452,8 @@
         </p:nvCxnSpPr>
         <p:spPr>
           <a:xfrm>
-            <a:off x="8714121" y="3021081"/>
-            <a:ext cx="384315" cy="0"/>
+            <a:off x="8714121" y="3167615"/>
+            <a:ext cx="223377" cy="0"/>
           </a:xfrm>
           <a:prstGeom prst="straightConnector1">
             <a:avLst/>
@@ -9489,8 +9494,8 @@
         </p:nvSpPr>
         <p:spPr>
           <a:xfrm>
-            <a:off x="5956854" y="221562"/>
-            <a:ext cx="2862469" cy="564042"/>
+            <a:off x="5780896" y="221562"/>
+            <a:ext cx="3038427" cy="614326"/>
           </a:xfrm>
           <a:prstGeom prst="roundRect">
             <a:avLst/>
@@ -9521,7 +9526,7 @@
           <a:p>
             <a:pPr algn="ctr"/>
             <a:r>
-              <a:rPr lang="en-US" i="1" dirty="0"/>
+              <a:rPr lang="en-US" sz="3200" i="1" dirty="0"/>
               <a:t>MLFlow</a:t>
             </a:r>
           </a:p>
